--- a/OUSADO AMOR (ISAÍAS SAAD).pptx
+++ b/OUSADO AMOR (ISAÍAS SAAD).pptx
@@ -878,7 +878,7 @@
             <a:fld id="{B61BEF0D-F0BB-DE4B-95CE-6DB70DBA9567}" type="datetimeFigureOut">
               <a:rPr lang="en-US" dirty="0"/>
               <a:pPr/>
-              <a:t>9/25/2019</a:t>
+              <a:t>7/16/2022</a:t>
             </a:fld>
             <a:endParaRPr lang="en-US" dirty="0"/>
           </a:p>
@@ -1126,7 +1126,7 @@
             <a:fld id="{B61BEF0D-F0BB-DE4B-95CE-6DB70DBA9567}" type="datetimeFigureOut">
               <a:rPr lang="en-US" dirty="0"/>
               <a:pPr/>
-              <a:t>9/25/2019</a:t>
+              <a:t>7/16/2022</a:t>
             </a:fld>
             <a:endParaRPr lang="en-US" dirty="0"/>
           </a:p>
@@ -1437,7 +1437,7 @@
             <a:fld id="{B61BEF0D-F0BB-DE4B-95CE-6DB70DBA9567}" type="datetimeFigureOut">
               <a:rPr lang="en-US" dirty="0"/>
               <a:pPr/>
-              <a:t>9/25/2019</a:t>
+              <a:t>7/16/2022</a:t>
             </a:fld>
             <a:endParaRPr lang="en-US" dirty="0"/>
           </a:p>
@@ -1767,7 +1767,7 @@
             <a:fld id="{B61BEF0D-F0BB-DE4B-95CE-6DB70DBA9567}" type="datetimeFigureOut">
               <a:rPr lang="en-US" dirty="0"/>
               <a:pPr/>
-              <a:t>9/25/2019</a:t>
+              <a:t>7/16/2022</a:t>
             </a:fld>
             <a:endParaRPr lang="en-US" dirty="0"/>
           </a:p>
@@ -2078,7 +2078,7 @@
             <a:fld id="{B61BEF0D-F0BB-DE4B-95CE-6DB70DBA9567}" type="datetimeFigureOut">
               <a:rPr lang="en-US" dirty="0"/>
               <a:pPr/>
-              <a:t>9/25/2019</a:t>
+              <a:t>7/16/2022</a:t>
             </a:fld>
             <a:endParaRPr lang="en-US" dirty="0"/>
           </a:p>
@@ -2468,7 +2468,7 @@
             <a:fld id="{B61BEF0D-F0BB-DE4B-95CE-6DB70DBA9567}" type="datetimeFigureOut">
               <a:rPr lang="en-US" dirty="0"/>
               <a:pPr/>
-              <a:t>9/25/2019</a:t>
+              <a:t>7/16/2022</a:t>
             </a:fld>
             <a:endParaRPr lang="en-US" dirty="0"/>
           </a:p>
@@ -2634,7 +2634,7 @@
           <a:p>
             <a:fld id="{55C6B4A9-1611-4792-9094-5F34BCA07E0B}" type="datetimeFigureOut">
               <a:rPr lang="en-US" dirty="0"/>
-              <a:t>9/25/2019</a:t>
+              <a:t>7/16/2022</a:t>
             </a:fld>
             <a:endParaRPr lang="en-US" dirty="0"/>
           </a:p>
@@ -2810,7 +2810,7 @@
             <a:fld id="{B61BEF0D-F0BB-DE4B-95CE-6DB70DBA9567}" type="datetimeFigureOut">
               <a:rPr lang="en-US" dirty="0"/>
               <a:pPr/>
-              <a:t>9/25/2019</a:t>
+              <a:t>7/16/2022</a:t>
             </a:fld>
             <a:endParaRPr lang="en-US" dirty="0"/>
           </a:p>
@@ -2976,7 +2976,7 @@
           <a:p>
             <a:fld id="{42A54C80-263E-416B-A8E0-580EDEADCBDC}" type="datetimeFigureOut">
               <a:rPr lang="en-US" dirty="0"/>
-              <a:t>9/25/2019</a:t>
+              <a:t>7/16/2022</a:t>
             </a:fld>
             <a:endParaRPr lang="en-US" dirty="0"/>
           </a:p>
@@ -3219,7 +3219,7 @@
             <a:fld id="{B61BEF0D-F0BB-DE4B-95CE-6DB70DBA9567}" type="datetimeFigureOut">
               <a:rPr lang="en-US" dirty="0"/>
               <a:pPr/>
-              <a:t>9/25/2019</a:t>
+              <a:t>7/16/2022</a:t>
             </a:fld>
             <a:endParaRPr lang="en-US" dirty="0"/>
           </a:p>
@@ -3447,7 +3447,7 @@
           <a:p>
             <a:fld id="{42A54C80-263E-416B-A8E0-580EDEADCBDC}" type="datetimeFigureOut">
               <a:rPr lang="en-US" dirty="0"/>
-              <a:t>9/25/2019</a:t>
+              <a:t>7/16/2022</a:t>
             </a:fld>
             <a:endParaRPr lang="en-US" dirty="0"/>
           </a:p>
@@ -3817,7 +3817,7 @@
             <a:fld id="{B61BEF0D-F0BB-DE4B-95CE-6DB70DBA9567}" type="datetimeFigureOut">
               <a:rPr lang="en-US" dirty="0"/>
               <a:pPr/>
-              <a:t>9/25/2019</a:t>
+              <a:t>7/16/2022</a:t>
             </a:fld>
             <a:endParaRPr lang="en-US" dirty="0"/>
           </a:p>
@@ -3937,7 +3937,7 @@
             <a:fld id="{B61BEF0D-F0BB-DE4B-95CE-6DB70DBA9567}" type="datetimeFigureOut">
               <a:rPr lang="en-US" dirty="0"/>
               <a:pPr/>
-              <a:t>9/25/2019</a:t>
+              <a:t>7/16/2022</a:t>
             </a:fld>
             <a:endParaRPr lang="en-US" dirty="0"/>
           </a:p>
@@ -4029,7 +4029,7 @@
             <a:fld id="{B61BEF0D-F0BB-DE4B-95CE-6DB70DBA9567}" type="datetimeFigureOut">
               <a:rPr lang="en-US" dirty="0"/>
               <a:pPr/>
-              <a:t>9/25/2019</a:t>
+              <a:t>7/16/2022</a:t>
             </a:fld>
             <a:endParaRPr lang="en-US" dirty="0"/>
           </a:p>
@@ -4280,7 +4280,7 @@
           <a:p>
             <a:fld id="{42A54C80-263E-416B-A8E0-580EDEADCBDC}" type="datetimeFigureOut">
               <a:rPr lang="en-US" dirty="0"/>
-              <a:t>9/25/2019</a:t>
+              <a:t>7/16/2022</a:t>
             </a:fld>
             <a:endParaRPr lang="en-US" dirty="0"/>
           </a:p>
@@ -4582,7 +4582,7 @@
             <a:fld id="{B61BEF0D-F0BB-DE4B-95CE-6DB70DBA9567}" type="datetimeFigureOut">
               <a:rPr lang="en-US" dirty="0"/>
               <a:pPr/>
-              <a:t>9/25/2019</a:t>
+              <a:t>7/16/2022</a:t>
             </a:fld>
             <a:endParaRPr lang="en-US" dirty="0"/>
           </a:p>
@@ -5280,7 +5280,7 @@
             <a:fld id="{B61BEF0D-F0BB-DE4B-95CE-6DB70DBA9567}" type="datetimeFigureOut">
               <a:rPr lang="en-US" dirty="0"/>
               <a:pPr/>
-              <a:t>9/25/2019</a:t>
+              <a:t>7/16/2022</a:t>
             </a:fld>
             <a:endParaRPr lang="en-US" dirty="0"/>
           </a:p>
@@ -5844,6 +5844,16 @@
               </a:rPr>
               <a:t>OUSADO AMOR </a:t>
             </a:r>
+            <a:r>
+              <a:rPr lang="pt-BR" b="1" dirty="0">
+                <a:solidFill>
+                  <a:schemeClr val="tx1"/>
+                </a:solidFill>
+                <a:latin typeface="Arial Black" panose="020B0A04020102090204" pitchFamily="34" charset="0"/>
+                <a:cs typeface="Aharoni" panose="02010803020104030203" pitchFamily="2" charset="-79"/>
+              </a:rPr>
+              <a:t/>
+            </a:r>
             <a:br>
               <a:rPr lang="pt-BR" b="1" dirty="0">
                 <a:solidFill>
@@ -6098,7 +6108,27 @@
                 <a:latin typeface="Arial Black" panose="020B0A04020102090204" pitchFamily="34" charset="0"/>
                 <a:cs typeface="Aharoni" panose="02010803020104030203" pitchFamily="2" charset="-79"/>
               </a:rPr>
-              <a:t>SÓ PRA ME ENCONTRAR</a:t>
+              <a:t>SÓ </a:t>
+            </a:r>
+            <a:r>
+              <a:rPr lang="pt-BR" sz="8000" b="1" dirty="0" smtClean="0">
+                <a:solidFill>
+                  <a:schemeClr val="tx1"/>
+                </a:solidFill>
+                <a:latin typeface="Arial Black" panose="020B0A04020102090204" pitchFamily="34" charset="0"/>
+                <a:cs typeface="Aharoni" panose="02010803020104030203" pitchFamily="2" charset="-79"/>
+              </a:rPr>
+              <a:t>PRÁ </a:t>
+            </a:r>
+            <a:r>
+              <a:rPr lang="pt-BR" sz="8000" b="1" dirty="0">
+                <a:solidFill>
+                  <a:schemeClr val="tx1"/>
+                </a:solidFill>
+                <a:latin typeface="Arial Black" panose="020B0A04020102090204" pitchFamily="34" charset="0"/>
+                <a:cs typeface="Aharoni" panose="02010803020104030203" pitchFamily="2" charset="-79"/>
+              </a:rPr>
+              <a:t>ME ENCONTRAR</a:t>
             </a:r>
           </a:p>
         </p:txBody>
@@ -6420,6 +6450,16 @@
               </a:rPr>
             </a:br>
             <a:r>
+              <a:rPr lang="pt-BR" sz="7200" b="1" dirty="0" smtClean="0">
+                <a:solidFill>
+                  <a:schemeClr val="tx1"/>
+                </a:solidFill>
+                <a:latin typeface="Arial Black" panose="020B0A04020102090204" pitchFamily="34" charset="0"/>
+                <a:cs typeface="Aharoni" panose="02010803020104030203" pitchFamily="2" charset="-79"/>
+              </a:rPr>
+              <a:t>PRÁ </a:t>
+            </a:r>
+            <a:r>
               <a:rPr lang="pt-BR" sz="7200" b="1" dirty="0">
                 <a:solidFill>
                   <a:schemeClr val="tx1"/>
@@ -6427,7 +6467,7 @@
                 <a:latin typeface="Arial Black" panose="020B0A04020102090204" pitchFamily="34" charset="0"/>
                 <a:cs typeface="Aharoni" panose="02010803020104030203" pitchFamily="2" charset="-79"/>
               </a:rPr>
-              <a:t>PRA ME ENCONTRAR</a:t>
+              <a:t>ME ENCONTRAR</a:t>
             </a:r>
           </a:p>
         </p:txBody>
@@ -6652,6 +6692,16 @@
               </a:rPr>
             </a:br>
             <a:r>
+              <a:rPr lang="pt-BR" sz="7200" b="1" dirty="0" smtClean="0">
+                <a:solidFill>
+                  <a:schemeClr val="tx1"/>
+                </a:solidFill>
+                <a:latin typeface="Arial Black" panose="020B0A04020102090204" pitchFamily="34" charset="0"/>
+                <a:cs typeface="Aharoni" panose="02010803020104030203" pitchFamily="2" charset="-79"/>
+              </a:rPr>
+              <a:t>PRÁ </a:t>
+            </a:r>
+            <a:r>
               <a:rPr lang="pt-BR" sz="7200" b="1" dirty="0">
                 <a:solidFill>
                   <a:schemeClr val="tx1"/>
@@ -6659,7 +6709,7 @@
                 <a:latin typeface="Arial Black" panose="020B0A04020102090204" pitchFamily="34" charset="0"/>
                 <a:cs typeface="Aharoni" panose="02010803020104030203" pitchFamily="2" charset="-79"/>
               </a:rPr>
-              <a:t>PRA ME ENCONTRAR </a:t>
+              <a:t>ME ENCONTRAR </a:t>
             </a:r>
           </a:p>
         </p:txBody>
@@ -6768,6 +6818,16 @@
               </a:rPr>
             </a:br>
             <a:r>
+              <a:rPr lang="pt-BR" sz="7200" b="1" dirty="0" smtClean="0">
+                <a:solidFill>
+                  <a:schemeClr val="tx1"/>
+                </a:solidFill>
+                <a:latin typeface="Arial Black" panose="020B0A04020102090204" pitchFamily="34" charset="0"/>
+                <a:cs typeface="Aharoni" panose="02010803020104030203" pitchFamily="2" charset="-79"/>
+              </a:rPr>
+              <a:t>PRÁ </a:t>
+            </a:r>
+            <a:r>
               <a:rPr lang="pt-BR" sz="7200" b="1" dirty="0">
                 <a:solidFill>
                   <a:schemeClr val="tx1"/>
@@ -6775,7 +6835,7 @@
                 <a:latin typeface="Arial Black" panose="020B0A04020102090204" pitchFamily="34" charset="0"/>
                 <a:cs typeface="Aharoni" panose="02010803020104030203" pitchFamily="2" charset="-79"/>
               </a:rPr>
-              <a:t>PRA ME ENCONTRAR</a:t>
+              <a:t>ME ENCONTRAR</a:t>
             </a:r>
           </a:p>
         </p:txBody>
@@ -6988,7 +7048,27 @@
                 <a:latin typeface="Arial Black" panose="020B0A04020102090204" pitchFamily="34" charset="0"/>
                 <a:cs typeface="Aharoni" panose="02010803020104030203" pitchFamily="2" charset="-79"/>
               </a:rPr>
-              <a:t>SÓ PRA ME ENCONTRAR</a:t>
+              <a:t>SÓ </a:t>
+            </a:r>
+            <a:r>
+              <a:rPr lang="pt-BR" sz="8000" b="1" dirty="0" smtClean="0">
+                <a:solidFill>
+                  <a:schemeClr val="tx1"/>
+                </a:solidFill>
+                <a:latin typeface="Arial Black" panose="020B0A04020102090204" pitchFamily="34" charset="0"/>
+                <a:cs typeface="Aharoni" panose="02010803020104030203" pitchFamily="2" charset="-79"/>
+              </a:rPr>
+              <a:t>PRÁ </a:t>
+            </a:r>
+            <a:r>
+              <a:rPr lang="pt-BR" sz="8000" b="1" dirty="0">
+                <a:solidFill>
+                  <a:schemeClr val="tx1"/>
+                </a:solidFill>
+                <a:latin typeface="Arial Black" panose="020B0A04020102090204" pitchFamily="34" charset="0"/>
+                <a:cs typeface="Aharoni" panose="02010803020104030203" pitchFamily="2" charset="-79"/>
+              </a:rPr>
+              <a:t>ME ENCONTRAR</a:t>
             </a:r>
           </a:p>
         </p:txBody>
@@ -7123,7 +7203,27 @@
                 <a:latin typeface="Arial Black" panose="020B0A04020102090204" pitchFamily="34" charset="0"/>
                 <a:cs typeface="Aharoni" panose="02010803020104030203" pitchFamily="2" charset="-79"/>
               </a:rPr>
-              <a:t>TÃO BOM PRA MIM </a:t>
+              <a:t>TÃO BOM </a:t>
+            </a:r>
+            <a:r>
+              <a:rPr lang="pt-BR" sz="7200" b="1" dirty="0" smtClean="0">
+                <a:solidFill>
+                  <a:schemeClr val="tx1"/>
+                </a:solidFill>
+                <a:latin typeface="Arial Black" panose="020B0A04020102090204" pitchFamily="34" charset="0"/>
+                <a:cs typeface="Aharoni" panose="02010803020104030203" pitchFamily="2" charset="-79"/>
+              </a:rPr>
+              <a:t>PRÁ </a:t>
+            </a:r>
+            <a:r>
+              <a:rPr lang="pt-BR" sz="7200" b="1" dirty="0">
+                <a:solidFill>
+                  <a:schemeClr val="tx1"/>
+                </a:solidFill>
+                <a:latin typeface="Arial Black" panose="020B0A04020102090204" pitchFamily="34" charset="0"/>
+                <a:cs typeface="Aharoni" panose="02010803020104030203" pitchFamily="2" charset="-79"/>
+              </a:rPr>
+              <a:t>MIM </a:t>
             </a:r>
           </a:p>
         </p:txBody>
@@ -7452,7 +7552,27 @@
                 <a:latin typeface="Arial Black" panose="020B0A04020102090204" pitchFamily="34" charset="0"/>
                 <a:cs typeface="Aharoni" panose="02010803020104030203" pitchFamily="2" charset="-79"/>
               </a:rPr>
-              <a:t>TÃO BOM PRA MIM</a:t>
+              <a:t>TÃO BOM </a:t>
+            </a:r>
+            <a:r>
+              <a:rPr lang="pt-BR" sz="7200" b="1" dirty="0" smtClean="0">
+                <a:solidFill>
+                  <a:schemeClr val="tx1"/>
+                </a:solidFill>
+                <a:latin typeface="Arial Black" panose="020B0A04020102090204" pitchFamily="34" charset="0"/>
+                <a:cs typeface="Aharoni" panose="02010803020104030203" pitchFamily="2" charset="-79"/>
+              </a:rPr>
+              <a:t>PRÁ </a:t>
+            </a:r>
+            <a:r>
+              <a:rPr lang="pt-BR" sz="7200" b="1" dirty="0">
+                <a:solidFill>
+                  <a:schemeClr val="tx1"/>
+                </a:solidFill>
+                <a:latin typeface="Arial Black" panose="020B0A04020102090204" pitchFamily="34" charset="0"/>
+                <a:cs typeface="Aharoni" panose="02010803020104030203" pitchFamily="2" charset="-79"/>
+              </a:rPr>
+              <a:t>MIM</a:t>
             </a:r>
           </a:p>
         </p:txBody>
@@ -7684,7 +7804,27 @@
                 <a:latin typeface="Arial Black" panose="020B0A04020102090204" pitchFamily="34" charset="0"/>
                 <a:cs typeface="Aharoni" panose="02010803020104030203" pitchFamily="2" charset="-79"/>
               </a:rPr>
-              <a:t>SÓ PRA ME ENCONTRAR</a:t>
+              <a:t>SÓ </a:t>
+            </a:r>
+            <a:r>
+              <a:rPr lang="pt-BR" sz="8000" b="1" dirty="0" smtClean="0">
+                <a:solidFill>
+                  <a:schemeClr val="tx1"/>
+                </a:solidFill>
+                <a:latin typeface="Arial Black" panose="020B0A04020102090204" pitchFamily="34" charset="0"/>
+                <a:cs typeface="Aharoni" panose="02010803020104030203" pitchFamily="2" charset="-79"/>
+              </a:rPr>
+              <a:t>PRÁ </a:t>
+            </a:r>
+            <a:r>
+              <a:rPr lang="pt-BR" sz="8000" b="1" dirty="0">
+                <a:solidFill>
+                  <a:schemeClr val="tx1"/>
+                </a:solidFill>
+                <a:latin typeface="Arial Black" panose="020B0A04020102090204" pitchFamily="34" charset="0"/>
+                <a:cs typeface="Aharoni" panose="02010803020104030203" pitchFamily="2" charset="-79"/>
+              </a:rPr>
+              <a:t>ME ENCONTRAR</a:t>
             </a:r>
           </a:p>
         </p:txBody>
@@ -8013,7 +8153,27 @@
                 <a:latin typeface="Arial Black" panose="020B0A04020102090204" pitchFamily="34" charset="0"/>
                 <a:cs typeface="Aharoni" panose="02010803020104030203" pitchFamily="2" charset="-79"/>
               </a:rPr>
-              <a:t>TU TENS SIDO TÃO, TÃO BOM PRA MIM </a:t>
+              <a:t>TU TENS SIDO TÃO, TÃO BOM </a:t>
+            </a:r>
+            <a:r>
+              <a:rPr lang="pt-BR" sz="7200" b="1" dirty="0" smtClean="0">
+                <a:solidFill>
+                  <a:schemeClr val="tx1"/>
+                </a:solidFill>
+                <a:latin typeface="Arial Black" panose="020B0A04020102090204" pitchFamily="34" charset="0"/>
+                <a:cs typeface="Aharoni" panose="02010803020104030203" pitchFamily="2" charset="-79"/>
+              </a:rPr>
+              <a:t>PRÁ </a:t>
+            </a:r>
+            <a:r>
+              <a:rPr lang="pt-BR" sz="7200" b="1" dirty="0">
+                <a:solidFill>
+                  <a:schemeClr val="tx1"/>
+                </a:solidFill>
+                <a:latin typeface="Arial Black" panose="020B0A04020102090204" pitchFamily="34" charset="0"/>
+                <a:cs typeface="Aharoni" panose="02010803020104030203" pitchFamily="2" charset="-79"/>
+              </a:rPr>
+              <a:t>MIM </a:t>
             </a:r>
           </a:p>
         </p:txBody>
@@ -8129,7 +8289,27 @@
                 <a:latin typeface="Arial Black" panose="020B0A04020102090204" pitchFamily="34" charset="0"/>
                 <a:cs typeface="Aharoni" panose="02010803020104030203" pitchFamily="2" charset="-79"/>
               </a:rPr>
-              <a:t>TU TENS SIDO TÃO, TÃO BOM PRA MIM</a:t>
+              <a:t>TU TENS SIDO TÃO, TÃO BOM </a:t>
+            </a:r>
+            <a:r>
+              <a:rPr lang="pt-BR" sz="7200" b="1" dirty="0" smtClean="0">
+                <a:solidFill>
+                  <a:schemeClr val="tx1"/>
+                </a:solidFill>
+                <a:latin typeface="Arial Black" panose="020B0A04020102090204" pitchFamily="34" charset="0"/>
+                <a:cs typeface="Aharoni" panose="02010803020104030203" pitchFamily="2" charset="-79"/>
+              </a:rPr>
+              <a:t>PRÁ </a:t>
+            </a:r>
+            <a:r>
+              <a:rPr lang="pt-BR" sz="7200" b="1" dirty="0">
+                <a:solidFill>
+                  <a:schemeClr val="tx1"/>
+                </a:solidFill>
+                <a:latin typeface="Arial Black" panose="020B0A04020102090204" pitchFamily="34" charset="0"/>
+                <a:cs typeface="Aharoni" panose="02010803020104030203" pitchFamily="2" charset="-79"/>
+              </a:rPr>
+              <a:t>MIM</a:t>
             </a:r>
           </a:p>
         </p:txBody>

--- a/OUSADO AMOR (ISAÍAS SAAD).pptx
+++ b/OUSADO AMOR (ISAÍAS SAAD).pptx
@@ -878,7 +878,7 @@
             <a:fld id="{B61BEF0D-F0BB-DE4B-95CE-6DB70DBA9567}" type="datetimeFigureOut">
               <a:rPr lang="en-US" dirty="0"/>
               <a:pPr/>
-              <a:t>7/16/2022</a:t>
+              <a:t>9/25/2019</a:t>
             </a:fld>
             <a:endParaRPr lang="en-US" dirty="0"/>
           </a:p>
@@ -1126,7 +1126,7 @@
             <a:fld id="{B61BEF0D-F0BB-DE4B-95CE-6DB70DBA9567}" type="datetimeFigureOut">
               <a:rPr lang="en-US" dirty="0"/>
               <a:pPr/>
-              <a:t>7/16/2022</a:t>
+              <a:t>9/25/2019</a:t>
             </a:fld>
             <a:endParaRPr lang="en-US" dirty="0"/>
           </a:p>
@@ -1437,7 +1437,7 @@
             <a:fld id="{B61BEF0D-F0BB-DE4B-95CE-6DB70DBA9567}" type="datetimeFigureOut">
               <a:rPr lang="en-US" dirty="0"/>
               <a:pPr/>
-              <a:t>7/16/2022</a:t>
+              <a:t>9/25/2019</a:t>
             </a:fld>
             <a:endParaRPr lang="en-US" dirty="0"/>
           </a:p>
@@ -1767,7 +1767,7 @@
             <a:fld id="{B61BEF0D-F0BB-DE4B-95CE-6DB70DBA9567}" type="datetimeFigureOut">
               <a:rPr lang="en-US" dirty="0"/>
               <a:pPr/>
-              <a:t>7/16/2022</a:t>
+              <a:t>9/25/2019</a:t>
             </a:fld>
             <a:endParaRPr lang="en-US" dirty="0"/>
           </a:p>
@@ -2078,7 +2078,7 @@
             <a:fld id="{B61BEF0D-F0BB-DE4B-95CE-6DB70DBA9567}" type="datetimeFigureOut">
               <a:rPr lang="en-US" dirty="0"/>
               <a:pPr/>
-              <a:t>7/16/2022</a:t>
+              <a:t>9/25/2019</a:t>
             </a:fld>
             <a:endParaRPr lang="en-US" dirty="0"/>
           </a:p>
@@ -2468,7 +2468,7 @@
             <a:fld id="{B61BEF0D-F0BB-DE4B-95CE-6DB70DBA9567}" type="datetimeFigureOut">
               <a:rPr lang="en-US" dirty="0"/>
               <a:pPr/>
-              <a:t>7/16/2022</a:t>
+              <a:t>9/25/2019</a:t>
             </a:fld>
             <a:endParaRPr lang="en-US" dirty="0"/>
           </a:p>
@@ -2634,7 +2634,7 @@
           <a:p>
             <a:fld id="{55C6B4A9-1611-4792-9094-5F34BCA07E0B}" type="datetimeFigureOut">
               <a:rPr lang="en-US" dirty="0"/>
-              <a:t>7/16/2022</a:t>
+              <a:t>9/25/2019</a:t>
             </a:fld>
             <a:endParaRPr lang="en-US" dirty="0"/>
           </a:p>
@@ -2810,7 +2810,7 @@
             <a:fld id="{B61BEF0D-F0BB-DE4B-95CE-6DB70DBA9567}" type="datetimeFigureOut">
               <a:rPr lang="en-US" dirty="0"/>
               <a:pPr/>
-              <a:t>7/16/2022</a:t>
+              <a:t>9/25/2019</a:t>
             </a:fld>
             <a:endParaRPr lang="en-US" dirty="0"/>
           </a:p>
@@ -2976,7 +2976,7 @@
           <a:p>
             <a:fld id="{42A54C80-263E-416B-A8E0-580EDEADCBDC}" type="datetimeFigureOut">
               <a:rPr lang="en-US" dirty="0"/>
-              <a:t>7/16/2022</a:t>
+              <a:t>9/25/2019</a:t>
             </a:fld>
             <a:endParaRPr lang="en-US" dirty="0"/>
           </a:p>
@@ -3219,7 +3219,7 @@
             <a:fld id="{B61BEF0D-F0BB-DE4B-95CE-6DB70DBA9567}" type="datetimeFigureOut">
               <a:rPr lang="en-US" dirty="0"/>
               <a:pPr/>
-              <a:t>7/16/2022</a:t>
+              <a:t>9/25/2019</a:t>
             </a:fld>
             <a:endParaRPr lang="en-US" dirty="0"/>
           </a:p>
@@ -3447,7 +3447,7 @@
           <a:p>
             <a:fld id="{42A54C80-263E-416B-A8E0-580EDEADCBDC}" type="datetimeFigureOut">
               <a:rPr lang="en-US" dirty="0"/>
-              <a:t>7/16/2022</a:t>
+              <a:t>9/25/2019</a:t>
             </a:fld>
             <a:endParaRPr lang="en-US" dirty="0"/>
           </a:p>
@@ -3817,7 +3817,7 @@
             <a:fld id="{B61BEF0D-F0BB-DE4B-95CE-6DB70DBA9567}" type="datetimeFigureOut">
               <a:rPr lang="en-US" dirty="0"/>
               <a:pPr/>
-              <a:t>7/16/2022</a:t>
+              <a:t>9/25/2019</a:t>
             </a:fld>
             <a:endParaRPr lang="en-US" dirty="0"/>
           </a:p>
@@ -3937,7 +3937,7 @@
             <a:fld id="{B61BEF0D-F0BB-DE4B-95CE-6DB70DBA9567}" type="datetimeFigureOut">
               <a:rPr lang="en-US" dirty="0"/>
               <a:pPr/>
-              <a:t>7/16/2022</a:t>
+              <a:t>9/25/2019</a:t>
             </a:fld>
             <a:endParaRPr lang="en-US" dirty="0"/>
           </a:p>
@@ -4029,7 +4029,7 @@
             <a:fld id="{B61BEF0D-F0BB-DE4B-95CE-6DB70DBA9567}" type="datetimeFigureOut">
               <a:rPr lang="en-US" dirty="0"/>
               <a:pPr/>
-              <a:t>7/16/2022</a:t>
+              <a:t>9/25/2019</a:t>
             </a:fld>
             <a:endParaRPr lang="en-US" dirty="0"/>
           </a:p>
@@ -4280,7 +4280,7 @@
           <a:p>
             <a:fld id="{42A54C80-263E-416B-A8E0-580EDEADCBDC}" type="datetimeFigureOut">
               <a:rPr lang="en-US" dirty="0"/>
-              <a:t>7/16/2022</a:t>
+              <a:t>9/25/2019</a:t>
             </a:fld>
             <a:endParaRPr lang="en-US" dirty="0"/>
           </a:p>
@@ -4582,7 +4582,7 @@
             <a:fld id="{B61BEF0D-F0BB-DE4B-95CE-6DB70DBA9567}" type="datetimeFigureOut">
               <a:rPr lang="en-US" dirty="0"/>
               <a:pPr/>
-              <a:t>7/16/2022</a:t>
+              <a:t>9/25/2019</a:t>
             </a:fld>
             <a:endParaRPr lang="en-US" dirty="0"/>
           </a:p>
@@ -5280,7 +5280,7 @@
             <a:fld id="{B61BEF0D-F0BB-DE4B-95CE-6DB70DBA9567}" type="datetimeFigureOut">
               <a:rPr lang="en-US" dirty="0"/>
               <a:pPr/>
-              <a:t>7/16/2022</a:t>
+              <a:t>9/25/2019</a:t>
             </a:fld>
             <a:endParaRPr lang="en-US" dirty="0"/>
           </a:p>
@@ -5844,16 +5844,6 @@
               </a:rPr>
               <a:t>OUSADO AMOR </a:t>
             </a:r>
-            <a:r>
-              <a:rPr lang="pt-BR" b="1" dirty="0">
-                <a:solidFill>
-                  <a:schemeClr val="tx1"/>
-                </a:solidFill>
-                <a:latin typeface="Arial Black" panose="020B0A04020102090204" pitchFamily="34" charset="0"/>
-                <a:cs typeface="Aharoni" panose="02010803020104030203" pitchFamily="2" charset="-79"/>
-              </a:rPr>
-              <a:t/>
-            </a:r>
             <a:br>
               <a:rPr lang="pt-BR" b="1" dirty="0">
                 <a:solidFill>
@@ -6108,27 +6098,7 @@
                 <a:latin typeface="Arial Black" panose="020B0A04020102090204" pitchFamily="34" charset="0"/>
                 <a:cs typeface="Aharoni" panose="02010803020104030203" pitchFamily="2" charset="-79"/>
               </a:rPr>
-              <a:t>SÓ </a:t>
-            </a:r>
-            <a:r>
-              <a:rPr lang="pt-BR" sz="8000" b="1" dirty="0" smtClean="0">
-                <a:solidFill>
-                  <a:schemeClr val="tx1"/>
-                </a:solidFill>
-                <a:latin typeface="Arial Black" panose="020B0A04020102090204" pitchFamily="34" charset="0"/>
-                <a:cs typeface="Aharoni" panose="02010803020104030203" pitchFamily="2" charset="-79"/>
-              </a:rPr>
-              <a:t>PRÁ </a:t>
-            </a:r>
-            <a:r>
-              <a:rPr lang="pt-BR" sz="8000" b="1" dirty="0">
-                <a:solidFill>
-                  <a:schemeClr val="tx1"/>
-                </a:solidFill>
-                <a:latin typeface="Arial Black" panose="020B0A04020102090204" pitchFamily="34" charset="0"/>
-                <a:cs typeface="Aharoni" panose="02010803020104030203" pitchFamily="2" charset="-79"/>
-              </a:rPr>
-              <a:t>ME ENCONTRAR</a:t>
+              <a:t>SÓ PRA ME ENCONTRAR</a:t>
             </a:r>
           </a:p>
         </p:txBody>
@@ -6450,16 +6420,6 @@
               </a:rPr>
             </a:br>
             <a:r>
-              <a:rPr lang="pt-BR" sz="7200" b="1" dirty="0" smtClean="0">
-                <a:solidFill>
-                  <a:schemeClr val="tx1"/>
-                </a:solidFill>
-                <a:latin typeface="Arial Black" panose="020B0A04020102090204" pitchFamily="34" charset="0"/>
-                <a:cs typeface="Aharoni" panose="02010803020104030203" pitchFamily="2" charset="-79"/>
-              </a:rPr>
-              <a:t>PRÁ </a:t>
-            </a:r>
-            <a:r>
               <a:rPr lang="pt-BR" sz="7200" b="1" dirty="0">
                 <a:solidFill>
                   <a:schemeClr val="tx1"/>
@@ -6467,7 +6427,7 @@
                 <a:latin typeface="Arial Black" panose="020B0A04020102090204" pitchFamily="34" charset="0"/>
                 <a:cs typeface="Aharoni" panose="02010803020104030203" pitchFamily="2" charset="-79"/>
               </a:rPr>
-              <a:t>ME ENCONTRAR</a:t>
+              <a:t>PRA ME ENCONTRAR</a:t>
             </a:r>
           </a:p>
         </p:txBody>
@@ -6692,16 +6652,6 @@
               </a:rPr>
             </a:br>
             <a:r>
-              <a:rPr lang="pt-BR" sz="7200" b="1" dirty="0" smtClean="0">
-                <a:solidFill>
-                  <a:schemeClr val="tx1"/>
-                </a:solidFill>
-                <a:latin typeface="Arial Black" panose="020B0A04020102090204" pitchFamily="34" charset="0"/>
-                <a:cs typeface="Aharoni" panose="02010803020104030203" pitchFamily="2" charset="-79"/>
-              </a:rPr>
-              <a:t>PRÁ </a:t>
-            </a:r>
-            <a:r>
               <a:rPr lang="pt-BR" sz="7200" b="1" dirty="0">
                 <a:solidFill>
                   <a:schemeClr val="tx1"/>
@@ -6709,7 +6659,7 @@
                 <a:latin typeface="Arial Black" panose="020B0A04020102090204" pitchFamily="34" charset="0"/>
                 <a:cs typeface="Aharoni" panose="02010803020104030203" pitchFamily="2" charset="-79"/>
               </a:rPr>
-              <a:t>ME ENCONTRAR </a:t>
+              <a:t>PRA ME ENCONTRAR </a:t>
             </a:r>
           </a:p>
         </p:txBody>
@@ -6818,16 +6768,6 @@
               </a:rPr>
             </a:br>
             <a:r>
-              <a:rPr lang="pt-BR" sz="7200" b="1" dirty="0" smtClean="0">
-                <a:solidFill>
-                  <a:schemeClr val="tx1"/>
-                </a:solidFill>
-                <a:latin typeface="Arial Black" panose="020B0A04020102090204" pitchFamily="34" charset="0"/>
-                <a:cs typeface="Aharoni" panose="02010803020104030203" pitchFamily="2" charset="-79"/>
-              </a:rPr>
-              <a:t>PRÁ </a:t>
-            </a:r>
-            <a:r>
               <a:rPr lang="pt-BR" sz="7200" b="1" dirty="0">
                 <a:solidFill>
                   <a:schemeClr val="tx1"/>
@@ -6835,7 +6775,7 @@
                 <a:latin typeface="Arial Black" panose="020B0A04020102090204" pitchFamily="34" charset="0"/>
                 <a:cs typeface="Aharoni" panose="02010803020104030203" pitchFamily="2" charset="-79"/>
               </a:rPr>
-              <a:t>ME ENCONTRAR</a:t>
+              <a:t>PRA ME ENCONTRAR</a:t>
             </a:r>
           </a:p>
         </p:txBody>
@@ -7048,27 +6988,7 @@
                 <a:latin typeface="Arial Black" panose="020B0A04020102090204" pitchFamily="34" charset="0"/>
                 <a:cs typeface="Aharoni" panose="02010803020104030203" pitchFamily="2" charset="-79"/>
               </a:rPr>
-              <a:t>SÓ </a:t>
-            </a:r>
-            <a:r>
-              <a:rPr lang="pt-BR" sz="8000" b="1" dirty="0" smtClean="0">
-                <a:solidFill>
-                  <a:schemeClr val="tx1"/>
-                </a:solidFill>
-                <a:latin typeface="Arial Black" panose="020B0A04020102090204" pitchFamily="34" charset="0"/>
-                <a:cs typeface="Aharoni" panose="02010803020104030203" pitchFamily="2" charset="-79"/>
-              </a:rPr>
-              <a:t>PRÁ </a:t>
-            </a:r>
-            <a:r>
-              <a:rPr lang="pt-BR" sz="8000" b="1" dirty="0">
-                <a:solidFill>
-                  <a:schemeClr val="tx1"/>
-                </a:solidFill>
-                <a:latin typeface="Arial Black" panose="020B0A04020102090204" pitchFamily="34" charset="0"/>
-                <a:cs typeface="Aharoni" panose="02010803020104030203" pitchFamily="2" charset="-79"/>
-              </a:rPr>
-              <a:t>ME ENCONTRAR</a:t>
+              <a:t>SÓ PRA ME ENCONTRAR</a:t>
             </a:r>
           </a:p>
         </p:txBody>
@@ -7203,27 +7123,7 @@
                 <a:latin typeface="Arial Black" panose="020B0A04020102090204" pitchFamily="34" charset="0"/>
                 <a:cs typeface="Aharoni" panose="02010803020104030203" pitchFamily="2" charset="-79"/>
               </a:rPr>
-              <a:t>TÃO BOM </a:t>
-            </a:r>
-            <a:r>
-              <a:rPr lang="pt-BR" sz="7200" b="1" dirty="0" smtClean="0">
-                <a:solidFill>
-                  <a:schemeClr val="tx1"/>
-                </a:solidFill>
-                <a:latin typeface="Arial Black" panose="020B0A04020102090204" pitchFamily="34" charset="0"/>
-                <a:cs typeface="Aharoni" panose="02010803020104030203" pitchFamily="2" charset="-79"/>
-              </a:rPr>
-              <a:t>PRÁ </a:t>
-            </a:r>
-            <a:r>
-              <a:rPr lang="pt-BR" sz="7200" b="1" dirty="0">
-                <a:solidFill>
-                  <a:schemeClr val="tx1"/>
-                </a:solidFill>
-                <a:latin typeface="Arial Black" panose="020B0A04020102090204" pitchFamily="34" charset="0"/>
-                <a:cs typeface="Aharoni" panose="02010803020104030203" pitchFamily="2" charset="-79"/>
-              </a:rPr>
-              <a:t>MIM </a:t>
+              <a:t>TÃO BOM PRA MIM </a:t>
             </a:r>
           </a:p>
         </p:txBody>
@@ -7552,27 +7452,7 @@
                 <a:latin typeface="Arial Black" panose="020B0A04020102090204" pitchFamily="34" charset="0"/>
                 <a:cs typeface="Aharoni" panose="02010803020104030203" pitchFamily="2" charset="-79"/>
               </a:rPr>
-              <a:t>TÃO BOM </a:t>
-            </a:r>
-            <a:r>
-              <a:rPr lang="pt-BR" sz="7200" b="1" dirty="0" smtClean="0">
-                <a:solidFill>
-                  <a:schemeClr val="tx1"/>
-                </a:solidFill>
-                <a:latin typeface="Arial Black" panose="020B0A04020102090204" pitchFamily="34" charset="0"/>
-                <a:cs typeface="Aharoni" panose="02010803020104030203" pitchFamily="2" charset="-79"/>
-              </a:rPr>
-              <a:t>PRÁ </a:t>
-            </a:r>
-            <a:r>
-              <a:rPr lang="pt-BR" sz="7200" b="1" dirty="0">
-                <a:solidFill>
-                  <a:schemeClr val="tx1"/>
-                </a:solidFill>
-                <a:latin typeface="Arial Black" panose="020B0A04020102090204" pitchFamily="34" charset="0"/>
-                <a:cs typeface="Aharoni" panose="02010803020104030203" pitchFamily="2" charset="-79"/>
-              </a:rPr>
-              <a:t>MIM</a:t>
+              <a:t>TÃO BOM PRA MIM</a:t>
             </a:r>
           </a:p>
         </p:txBody>
@@ -7804,27 +7684,7 @@
                 <a:latin typeface="Arial Black" panose="020B0A04020102090204" pitchFamily="34" charset="0"/>
                 <a:cs typeface="Aharoni" panose="02010803020104030203" pitchFamily="2" charset="-79"/>
               </a:rPr>
-              <a:t>SÓ </a:t>
-            </a:r>
-            <a:r>
-              <a:rPr lang="pt-BR" sz="8000" b="1" dirty="0" smtClean="0">
-                <a:solidFill>
-                  <a:schemeClr val="tx1"/>
-                </a:solidFill>
-                <a:latin typeface="Arial Black" panose="020B0A04020102090204" pitchFamily="34" charset="0"/>
-                <a:cs typeface="Aharoni" panose="02010803020104030203" pitchFamily="2" charset="-79"/>
-              </a:rPr>
-              <a:t>PRÁ </a:t>
-            </a:r>
-            <a:r>
-              <a:rPr lang="pt-BR" sz="8000" b="1" dirty="0">
-                <a:solidFill>
-                  <a:schemeClr val="tx1"/>
-                </a:solidFill>
-                <a:latin typeface="Arial Black" panose="020B0A04020102090204" pitchFamily="34" charset="0"/>
-                <a:cs typeface="Aharoni" panose="02010803020104030203" pitchFamily="2" charset="-79"/>
-              </a:rPr>
-              <a:t>ME ENCONTRAR</a:t>
+              <a:t>SÓ PRA ME ENCONTRAR</a:t>
             </a:r>
           </a:p>
         </p:txBody>
@@ -8153,27 +8013,7 @@
                 <a:latin typeface="Arial Black" panose="020B0A04020102090204" pitchFamily="34" charset="0"/>
                 <a:cs typeface="Aharoni" panose="02010803020104030203" pitchFamily="2" charset="-79"/>
               </a:rPr>
-              <a:t>TU TENS SIDO TÃO, TÃO BOM </a:t>
-            </a:r>
-            <a:r>
-              <a:rPr lang="pt-BR" sz="7200" b="1" dirty="0" smtClean="0">
-                <a:solidFill>
-                  <a:schemeClr val="tx1"/>
-                </a:solidFill>
-                <a:latin typeface="Arial Black" panose="020B0A04020102090204" pitchFamily="34" charset="0"/>
-                <a:cs typeface="Aharoni" panose="02010803020104030203" pitchFamily="2" charset="-79"/>
-              </a:rPr>
-              <a:t>PRÁ </a:t>
-            </a:r>
-            <a:r>
-              <a:rPr lang="pt-BR" sz="7200" b="1" dirty="0">
-                <a:solidFill>
-                  <a:schemeClr val="tx1"/>
-                </a:solidFill>
-                <a:latin typeface="Arial Black" panose="020B0A04020102090204" pitchFamily="34" charset="0"/>
-                <a:cs typeface="Aharoni" panose="02010803020104030203" pitchFamily="2" charset="-79"/>
-              </a:rPr>
-              <a:t>MIM </a:t>
+              <a:t>TU TENS SIDO TÃO, TÃO BOM PRA MIM </a:t>
             </a:r>
           </a:p>
         </p:txBody>
@@ -8289,27 +8129,7 @@
                 <a:latin typeface="Arial Black" panose="020B0A04020102090204" pitchFamily="34" charset="0"/>
                 <a:cs typeface="Aharoni" panose="02010803020104030203" pitchFamily="2" charset="-79"/>
               </a:rPr>
-              <a:t>TU TENS SIDO TÃO, TÃO BOM </a:t>
-            </a:r>
-            <a:r>
-              <a:rPr lang="pt-BR" sz="7200" b="1" dirty="0" smtClean="0">
-                <a:solidFill>
-                  <a:schemeClr val="tx1"/>
-                </a:solidFill>
-                <a:latin typeface="Arial Black" panose="020B0A04020102090204" pitchFamily="34" charset="0"/>
-                <a:cs typeface="Aharoni" panose="02010803020104030203" pitchFamily="2" charset="-79"/>
-              </a:rPr>
-              <a:t>PRÁ </a:t>
-            </a:r>
-            <a:r>
-              <a:rPr lang="pt-BR" sz="7200" b="1" dirty="0">
-                <a:solidFill>
-                  <a:schemeClr val="tx1"/>
-                </a:solidFill>
-                <a:latin typeface="Arial Black" panose="020B0A04020102090204" pitchFamily="34" charset="0"/>
-                <a:cs typeface="Aharoni" panose="02010803020104030203" pitchFamily="2" charset="-79"/>
-              </a:rPr>
-              <a:t>MIM</a:t>
+              <a:t>TU TENS SIDO TÃO, TÃO BOM PRA MIM</a:t>
             </a:r>
           </a:p>
         </p:txBody>
